--- a/Oracle_DB_8 - Join.pptx
+++ b/Oracle_DB_8 - Join.pptx
@@ -4184,7 +4184,7 @@
             <a:fld id="{B61BEF0D-F0BB-DE4B-95CE-6DB70DBA9567}" type="datetimeFigureOut">
               <a:rPr lang="en-US" smtClean="0"/>
               <a:pPr/>
-              <a:t>4/9/2021</a:t>
+              <a:t>4/11/2021</a:t>
             </a:fld>
             <a:endParaRPr lang="en-US" dirty="0"/>
           </a:p>
@@ -4519,7 +4519,7 @@
             <a:fld id="{B61BEF0D-F0BB-DE4B-95CE-6DB70DBA9567}" type="datetimeFigureOut">
               <a:rPr lang="en-US" smtClean="0"/>
               <a:pPr/>
-              <a:t>4/9/2021</a:t>
+              <a:t>4/11/2021</a:t>
             </a:fld>
             <a:endParaRPr lang="en-US" dirty="0"/>
           </a:p>
@@ -4778,7 +4778,7 @@
             <a:fld id="{B61BEF0D-F0BB-DE4B-95CE-6DB70DBA9567}" type="datetimeFigureOut">
               <a:rPr lang="en-US" smtClean="0"/>
               <a:pPr/>
-              <a:t>4/9/2021</a:t>
+              <a:t>4/11/2021</a:t>
             </a:fld>
             <a:endParaRPr lang="en-US" dirty="0"/>
           </a:p>
@@ -5128,7 +5128,7 @@
             <a:fld id="{B61BEF0D-F0BB-DE4B-95CE-6DB70DBA9567}" type="datetimeFigureOut">
               <a:rPr lang="en-US" smtClean="0"/>
               <a:pPr/>
-              <a:t>4/9/2021</a:t>
+              <a:t>4/11/2021</a:t>
             </a:fld>
             <a:endParaRPr lang="en-US" dirty="0"/>
           </a:p>
@@ -5486,7 +5486,7 @@
             <a:fld id="{B61BEF0D-F0BB-DE4B-95CE-6DB70DBA9567}" type="datetimeFigureOut">
               <a:rPr lang="en-US" smtClean="0"/>
               <a:pPr/>
-              <a:t>4/9/2021</a:t>
+              <a:t>4/11/2021</a:t>
             </a:fld>
             <a:endParaRPr lang="en-US" dirty="0"/>
           </a:p>
@@ -5871,7 +5871,7 @@
             <a:fld id="{B61BEF0D-F0BB-DE4B-95CE-6DB70DBA9567}" type="datetimeFigureOut">
               <a:rPr lang="en-US" smtClean="0"/>
               <a:pPr/>
-              <a:t>4/9/2021</a:t>
+              <a:t>4/11/2021</a:t>
             </a:fld>
             <a:endParaRPr lang="en-US" dirty="0"/>
           </a:p>
@@ -6352,7 +6352,7 @@
             <a:fld id="{B61BEF0D-F0BB-DE4B-95CE-6DB70DBA9567}" type="datetimeFigureOut">
               <a:rPr lang="en-US" smtClean="0"/>
               <a:pPr/>
-              <a:t>4/9/2021</a:t>
+              <a:t>4/11/2021</a:t>
             </a:fld>
             <a:endParaRPr lang="en-US" dirty="0"/>
           </a:p>
@@ -6568,7 +6568,7 @@
             <a:fld id="{B61BEF0D-F0BB-DE4B-95CE-6DB70DBA9567}" type="datetimeFigureOut">
               <a:rPr lang="en-US" smtClean="0"/>
               <a:pPr/>
-              <a:t>4/9/2021</a:t>
+              <a:t>4/11/2021</a:t>
             </a:fld>
             <a:endParaRPr lang="en-US" dirty="0"/>
           </a:p>
@@ -6790,7 +6790,7 @@
             <a:fld id="{B61BEF0D-F0BB-DE4B-95CE-6DB70DBA9567}" type="datetimeFigureOut">
               <a:rPr lang="en-US" smtClean="0"/>
               <a:pPr/>
-              <a:t>4/9/2021</a:t>
+              <a:t>4/11/2021</a:t>
             </a:fld>
             <a:endParaRPr lang="en-US" dirty="0"/>
           </a:p>
@@ -7674,7 +7674,7 @@
             <a:fld id="{B61BEF0D-F0BB-DE4B-95CE-6DB70DBA9567}" type="datetimeFigureOut">
               <a:rPr lang="en-US" smtClean="0"/>
               <a:pPr/>
-              <a:t>4/9/2021</a:t>
+              <a:t>4/11/2021</a:t>
             </a:fld>
             <a:endParaRPr lang="en-US" dirty="0"/>
           </a:p>
@@ -7933,7 +7933,7 @@
             <a:fld id="{B61BEF0D-F0BB-DE4B-95CE-6DB70DBA9567}" type="datetimeFigureOut">
               <a:rPr lang="en-US" smtClean="0"/>
               <a:pPr/>
-              <a:t>4/9/2021</a:t>
+              <a:t>4/11/2021</a:t>
             </a:fld>
             <a:endParaRPr lang="en-US" dirty="0"/>
           </a:p>
@@ -8242,7 +8242,7 @@
             <a:fld id="{B61BEF0D-F0BB-DE4B-95CE-6DB70DBA9567}" type="datetimeFigureOut">
               <a:rPr lang="en-US" smtClean="0"/>
               <a:pPr/>
-              <a:t>4/9/2021</a:t>
+              <a:t>4/11/2021</a:t>
             </a:fld>
             <a:endParaRPr lang="en-US" dirty="0"/>
           </a:p>
@@ -8647,7 +8647,7 @@
             <a:fld id="{B61BEF0D-F0BB-DE4B-95CE-6DB70DBA9567}" type="datetimeFigureOut">
               <a:rPr lang="en-US" smtClean="0"/>
               <a:pPr/>
-              <a:t>4/9/2021</a:t>
+              <a:t>4/11/2021</a:t>
             </a:fld>
             <a:endParaRPr lang="en-US" dirty="0"/>
           </a:p>
@@ -8807,7 +8807,7 @@
             <a:fld id="{B61BEF0D-F0BB-DE4B-95CE-6DB70DBA9567}" type="datetimeFigureOut">
               <a:rPr lang="en-US" smtClean="0"/>
               <a:pPr/>
-              <a:t>4/9/2021</a:t>
+              <a:t>4/11/2021</a:t>
             </a:fld>
             <a:endParaRPr lang="en-US" dirty="0"/>
           </a:p>
@@ -8944,7 +8944,7 @@
             <a:fld id="{B61BEF0D-F0BB-DE4B-95CE-6DB70DBA9567}" type="datetimeFigureOut">
               <a:rPr lang="en-US" smtClean="0"/>
               <a:pPr/>
-              <a:t>4/9/2021</a:t>
+              <a:t>4/11/2021</a:t>
             </a:fld>
             <a:endParaRPr lang="en-US" dirty="0"/>
           </a:p>
@@ -9210,7 +9210,7 @@
             <a:fld id="{B61BEF0D-F0BB-DE4B-95CE-6DB70DBA9567}" type="datetimeFigureOut">
               <a:rPr lang="en-US" smtClean="0"/>
               <a:pPr/>
-              <a:t>4/9/2021</a:t>
+              <a:t>4/11/2021</a:t>
             </a:fld>
             <a:endParaRPr lang="en-US" dirty="0"/>
           </a:p>
@@ -9536,7 +9536,7 @@
             <a:fld id="{B61BEF0D-F0BB-DE4B-95CE-6DB70DBA9567}" type="datetimeFigureOut">
               <a:rPr lang="en-US" smtClean="0"/>
               <a:pPr/>
-              <a:t>4/9/2021</a:t>
+              <a:t>4/11/2021</a:t>
             </a:fld>
             <a:endParaRPr lang="en-US" dirty="0"/>
           </a:p>
@@ -9898,7 +9898,7 @@
             <a:fld id="{B61BEF0D-F0BB-DE4B-95CE-6DB70DBA9567}" type="datetimeFigureOut">
               <a:rPr lang="en-US" smtClean="0"/>
               <a:pPr/>
-              <a:t>4/9/2021</a:t>
+              <a:t>4/11/2021</a:t>
             </a:fld>
             <a:endParaRPr lang="en-US" dirty="0"/>
           </a:p>
@@ -16976,7 +16976,19 @@
             </a:r>
             <a:r>
               <a:rPr lang="ko" dirty="0"/>
-              <a:t> 이라 합니다.  관계형 데이터베이스 (RDBMS) 의 가장 핵심 기술중 하나.</a:t>
+              <a:t> 이라 </a:t>
+            </a:r>
+            <a:r>
+              <a:rPr lang="ko-KR" altLang="en-US"/>
+              <a:t>한</a:t>
+            </a:r>
+            <a:r>
+              <a:rPr lang="ko"/>
+              <a:t>다</a:t>
+            </a:r>
+            <a:r>
+              <a:rPr lang="ko" dirty="0"/>
+              <a:t>.  관계형 데이터베이스 (RDBMS) 의 가장 핵심 기술중 하나.</a:t>
             </a:r>
             <a:br>
               <a:rPr lang="ko" dirty="0"/>
